--- a/VanOmmeren Predictive Analytics Midterm.pptx
+++ b/VanOmmeren Predictive Analytics Midterm.pptx
@@ -17759,7 +17759,22 @@
               <a:rPr lang="en-US" altLang="en-US" sz="2450" dirty="0">
                 <a:latin typeface="Univers LT Std 55" pitchFamily="-84" charset="0"/>
               </a:rPr>
-              <a:t>• Ensemble: a simple average of the ETS, TS Regression, and ARIMAX models.</a:t>
+              <a:t>• Ensemble: a simple average of the above models.</a:t>
+            </a:r>
+          </a:p>
+          <a:p>
+            <a:pPr eaLnBrk="1" hangingPunct="1"/>
+            <a:endParaRPr lang="en-US" altLang="en-US" sz="2450" dirty="0">
+              <a:latin typeface="Univers LT Std 55" pitchFamily="-84" charset="0"/>
+            </a:endParaRPr>
+          </a:p>
+          <a:p>
+            <a:pPr eaLnBrk="1" hangingPunct="1"/>
+            <a:r>
+              <a:rPr lang="en-US" altLang="en-US" sz="2450" dirty="0">
+                <a:latin typeface="Univers LT Std 55" pitchFamily="-84" charset="0"/>
+              </a:rPr>
+              <a:t>For out-of-sample predictions, I use a Seasonal ARIMA(1,1,1) model to forecast gas prices.</a:t>
             </a:r>
           </a:p>
         </p:txBody>
@@ -17932,15 +17947,11 @@
           </a:p>
           <a:p>
             <a:pPr eaLnBrk="1" hangingPunct="1"/>
-            <a:endParaRPr lang="en-US" altLang="en-US" sz="2450" dirty="0"/>
-          </a:p>
-          <a:p>
-            <a:pPr eaLnBrk="1" hangingPunct="1"/>
             <a:r>
               <a:rPr lang="en-US" altLang="en-US" sz="2450" dirty="0">
-                <a:latin typeface="Univers LT Std 75 Black" pitchFamily="-84" charset="0"/>
+                <a:latin typeface="Univers LT Std 55" pitchFamily="-84" charset="0"/>
               </a:rPr>
-              <a:t>Subheader</a:t>
+              <a:t>During the 5-year period following COVID, average daily rail use in Washington DC has consistently increased, though with noticeable seasonal changes: early Spring months appear to have higher volumes, while November through January appear to have lower volumes. </a:t>
             </a:r>
           </a:p>
           <a:p>
@@ -17949,7 +17960,7 @@
               <a:rPr lang="en-US" altLang="en-US" sz="2450" dirty="0">
                 <a:latin typeface="Univers LT Std 55" pitchFamily="-84" charset="0"/>
               </a:rPr>
-              <a:t>Totat ullaborernam harci cus, cuscidendit lat et as eum explit apicaboria am que vendent inullup tatur? Quia voluptat ut prae. Qui blatibu saecture, ut volor as a audae es elenti quis qui tessum faccuptatet odignisim eatur, sincia nusdantent estem haruntiatint idit rem ulpa et exped que provitatatur seque pro idi nos quid quo vent.</a:t>
+              <a:t>	Gas prices appear to have the same trend as rail ridership until mid-2022, it then breaks from the increasing trend, decreasing to just over $3 per gallon in March 2025. </a:t>
             </a:r>
           </a:p>
           <a:p>
@@ -17958,7 +17969,7 @@
               <a:rPr lang="en-US" altLang="en-US" sz="2450" dirty="0">
                 <a:latin typeface="Univers LT Std 55" pitchFamily="-84" charset="0"/>
               </a:rPr>
-              <a:t>  </a:t>
+              <a:t>	Applying STL decomposition to ridership shows the trend component has increased linearly until around 2023, where the trend increases at a slower rate.</a:t>
             </a:r>
           </a:p>
           <a:p>
@@ -17967,80 +17978,7 @@
               <a:rPr lang="en-US" altLang="en-US" sz="2450" dirty="0">
                 <a:latin typeface="Univers LT Std 55" pitchFamily="-84" charset="0"/>
               </a:rPr>
-              <a:t>Quia voluptat ut prae. Qui blatibu saecture, ut volor as a audae es elenti quis qui tessum faccuptatet </a:t>
-            </a:r>
-          </a:p>
-          <a:p>
-            <a:pPr eaLnBrk="1" hangingPunct="1"/>
-            <a:endParaRPr lang="en-US" altLang="en-US" sz="2450" dirty="0">
-              <a:latin typeface="Univers LT Std 55" pitchFamily="-84" charset="0"/>
-            </a:endParaRPr>
-          </a:p>
-          <a:p>
-            <a:pPr eaLnBrk="1" hangingPunct="1"/>
-            <a:r>
-              <a:rPr lang="en-US" altLang="en-US" sz="2450" dirty="0">
-                <a:latin typeface="Univers LT Std 55" pitchFamily="-84" charset="0"/>
-              </a:rPr>
-              <a:t>Suggested format for numbered list:</a:t>
-            </a:r>
-          </a:p>
-          <a:p>
-            <a:pPr eaLnBrk="1" hangingPunct="1">
-              <a:buFontTx/>
-              <a:buAutoNum type="arabicPlain"/>
-            </a:pPr>
-            <a:r>
-              <a:rPr lang="en-US" altLang="en-US" sz="2450" dirty="0">
-                <a:latin typeface="Univers LT Std 55" pitchFamily="-84" charset="0"/>
-              </a:rPr>
-              <a:t>Auditius</a:t>
-            </a:r>
-          </a:p>
-          <a:p>
-            <a:pPr eaLnBrk="1" hangingPunct="1">
-              <a:buFontTx/>
-              <a:buAutoNum type="arabicPlain"/>
-            </a:pPr>
-            <a:r>
-              <a:rPr lang="en-US" altLang="en-US" sz="2450" dirty="0">
-                <a:latin typeface="Univers LT Std 55" pitchFamily="-84" charset="0"/>
-              </a:rPr>
-              <a:t>dolupta tatumquae </a:t>
-            </a:r>
-          </a:p>
-          <a:p>
-            <a:pPr eaLnBrk="1" hangingPunct="1">
-              <a:buFontTx/>
-              <a:buAutoNum type="arabicPlain"/>
-            </a:pPr>
-            <a:r>
-              <a:rPr lang="en-US" altLang="en-US" sz="2450" dirty="0">
-                <a:latin typeface="Univers LT Std 55" pitchFamily="-84" charset="0"/>
-              </a:rPr>
-              <a:t>Auditius</a:t>
-            </a:r>
-          </a:p>
-          <a:p>
-            <a:pPr eaLnBrk="1" hangingPunct="1">
-              <a:buFontTx/>
-              <a:buAutoNum type="arabicPlain" startAt="3"/>
-            </a:pPr>
-            <a:r>
-              <a:rPr lang="en-US" altLang="en-US" sz="2450" dirty="0">
-                <a:latin typeface="Univers LT Std 55" pitchFamily="-84" charset="0"/>
-              </a:rPr>
-              <a:t>nusdantent </a:t>
-            </a:r>
-          </a:p>
-          <a:p>
-            <a:pPr eaLnBrk="1" hangingPunct="1">
-              <a:buFontTx/>
-              <a:buAutoNum type="arabicPlain" startAt="3"/>
-            </a:pPr>
-            <a:r>
-              <a:rPr lang="en-US" altLang="en-US" sz="2450" dirty="0"/>
-              <a:t>nonsectius re sumque </a:t>
+              <a:t>	All models capture the monthly seasonal pattern in the test data (black line). ARIMAX and Ensemble models fit the data best, though they underestimate the strength of monthly seasonality in the test data. TS Regression (blue line) consistently overestimates ridership, while Seasonal Naïve (purple line) underestimates.</a:t>
             </a:r>
           </a:p>
           <a:p>
@@ -18049,20 +17987,17 @@
               <a:rPr lang="en-US" altLang="en-US" sz="2450" dirty="0">
                 <a:latin typeface="Univers LT Std 55" pitchFamily="-84" charset="0"/>
               </a:rPr>
-              <a:t> </a:t>
+              <a:t>	The in-sample residuals are all quite similar, but by April 2024 they diverge significantly from the horizontal line at y = 0. Interestingly, While the ensemble models in-sample residuals appear to be among the worst, the out-of-sample residuals are closest to 0 and visually appear the best.</a:t>
             </a:r>
           </a:p>
           <a:p>
             <a:pPr eaLnBrk="1" hangingPunct="1"/>
             <a:r>
-              <a:rPr lang="en-US" altLang="en-US" sz="2450" dirty="0"/>
-              <a:t>Uciam que nit vit etusand andam, torae consequam haruntis et hiciisi nonsectius re sumque.</a:t>
+              <a:rPr lang="en-US" altLang="en-US" sz="2450" dirty="0">
+                <a:latin typeface="Univers LT Std 55" pitchFamily="-84" charset="0"/>
+              </a:rPr>
+              <a:t>	 On the training data, the ETS model has the lowest RMSE, MAE, and MAPE, while the Seasonal Naïve model performs worst by a large margin. But when we look at out-of-sample performance, the results are reversed. The Ensemble model has the best out-of-sample performance.</a:t>
             </a:r>
-            <a:endParaRPr lang="en-US" altLang="en-US" sz="3500" b="1" dirty="0">
-              <a:solidFill>
-                <a:srgbClr val="CC3300"/>
-              </a:solidFill>
-            </a:endParaRPr>
           </a:p>
         </p:txBody>
       </p:sp>
@@ -18697,7 +18632,7 @@
         </p:nvSpPr>
         <p:spPr bwMode="auto">
           <a:xfrm>
-            <a:off x="22120165" y="14456812"/>
+            <a:off x="21143169" y="14950153"/>
             <a:ext cx="3067050" cy="856685"/>
           </a:xfrm>
           <a:prstGeom prst="rect">
@@ -19373,9 +19308,6 @@
               </a:rPr>
               <a:t>Conclusion</a:t>
             </a:r>
-          </a:p>
-          <a:p>
-            <a:pPr eaLnBrk="1" hangingPunct="1"/>
             <a:endParaRPr lang="en-US" altLang="en-US" sz="2450" dirty="0"/>
           </a:p>
           <a:p>
@@ -19384,7 +19316,7 @@
               <a:rPr lang="en-US" altLang="en-US" sz="2450" dirty="0">
                 <a:latin typeface="Univers LT Std 55" pitchFamily="-84" charset="0"/>
               </a:rPr>
-              <a:t>Ossus volupicabore et iminciae nitati diaeculpa cumquo omnihil et, occulpa venient ab ilibusam volectes vellic tori sitiusam inciis net voluptatiis auditius dem venimu, ium eatius doluptaium eatius dolupta tatumquae num eos im fugitis ipienimet estisit, que con nonsequi culluptia as dis consequatem qui aliqui doluptatum.</a:t>
+              <a:t>Forecasting public transportation usage is a difficult task post-COVID. I ran five different time series models on 2020-24 rail ridership data to forecast 2025 volumes. The most useful model was an Ensemble average of the other four models. My models have out-of-sample predictive accuracy on par with academic research and WMATA's own forecasts. My results show that Washington DC rail ridership appears to still be on a post-COVID recovery path, with transportation volume continuing to increase in the short term.</a:t>
             </a:r>
           </a:p>
         </p:txBody>
@@ -19560,11 +19492,49 @@
             </a:pPr>
             <a:r>
               <a:rPr lang="en-US" altLang="en-US" sz="2450" dirty="0">
-                <a:latin typeface="Univers LT Std 75 Black" pitchFamily="-84" charset="0"/>
+                <a:latin typeface="Univers LT Std 55"/>
               </a:rPr>
-              <a:t>Subheader</a:t>
+              <a:t>Seasonal Naïve model underpredicts by implicitly assuming no year-over-year growth, while ETS overpredicts by assuming that existing trends would continue going forward.</a:t>
             </a:r>
-            <a:endParaRPr lang="en-AU" altLang="en-US" sz="2450" dirty="0">
+          </a:p>
+          <a:p>
+            <a:pPr eaLnBrk="1" hangingPunct="1">
+              <a:spcBef>
+                <a:spcPct val="50000"/>
+              </a:spcBef>
+            </a:pPr>
+            <a:r>
+              <a:rPr lang="en-US" altLang="en-US" sz="2450" dirty="0">
+                <a:latin typeface="Univers LT Std 55"/>
+              </a:rPr>
+              <a:t>The Ensemble method performs well because it balances out the underpredictions and overpredictions of my models.</a:t>
+            </a:r>
+          </a:p>
+          <a:p>
+            <a:pPr eaLnBrk="1" hangingPunct="1">
+              <a:spcBef>
+                <a:spcPct val="50000"/>
+              </a:spcBef>
+            </a:pPr>
+            <a:endParaRPr lang="en-US" altLang="en-US" sz="2450" dirty="0">
+              <a:latin typeface="Univers LT Std 55" pitchFamily="-84" charset="0"/>
+            </a:endParaRPr>
+          </a:p>
+          <a:p>
+            <a:pPr eaLnBrk="1" hangingPunct="1"/>
+            <a:r>
+              <a:rPr lang="en-US" altLang="en-US" sz="2450" dirty="0">
+                <a:latin typeface="Univers LT Std 55" pitchFamily="-84" charset="0"/>
+              </a:rPr>
+              <a:t>Compared to Mucci and Erhardt (2018), my best model had a mean average percent error of 6.95%, versus their 18% out-of-sample error. Similarly, Hoque et al. (2024) reported an average of 25% overestimation of ridership in public transportation projects. While there are differences in estimation strategies, my Ensemble model is well within the out-of-sample forecasting accuracy of the academic literature.</a:t>
+            </a:r>
+            <a:endParaRPr lang="en-US" altLang="en-US" sz="2450" dirty="0">
+              <a:latin typeface="Univers LT Std 75 Black" pitchFamily="-84" charset="0"/>
+            </a:endParaRPr>
+          </a:p>
+          <a:p>
+            <a:pPr eaLnBrk="1" hangingPunct="1"/>
+            <a:endParaRPr lang="en-US" altLang="en-US" sz="2450" dirty="0">
               <a:latin typeface="Univers LT Std 75 Black" pitchFamily="-84" charset="0"/>
             </a:endParaRPr>
           </a:p>
@@ -19574,7 +19544,7 @@
               <a:rPr lang="en-US" altLang="en-US" sz="2450" dirty="0">
                 <a:latin typeface="Univers LT Std 55" pitchFamily="-84" charset="0"/>
               </a:rPr>
-              <a:t>Content goes here: Ossus volupicabore et iminciae nitati diaeculpa cumquo omnihil et, occulpa venient ab ilibusam volectes vellic tori sitiusam inciis net voluptatiis auditius dem venimus, ium eatius dolupta tatumquae num eos im fugitis ipienimet estisit, que con nonsequi culluptia as dis consequatem qui aliqui doluptatum est, od quo blab ilias eum exeres delitem qui ipiti omnisquam harchic temper.</a:t>
+              <a:t>WMATA forecasts 113.7 million ridership for Jul. 2024 through Jun. 2025. The available data show total ridership of 127.7 million for Apr. 2024 through Mar. 2025. My ensemble model predicts ridership of 137.7 million, 7.8% higher than actual data. Interestingly, my ensemble estimates are closer to WMATA’s forecasted ridership for FY2026, rather than FY2025. My results show that WMATA’s forecasted decrease going into 2025 does not appear to be correct, and that post-COVID ridership recovery is still ongoing.</a:t>
             </a:r>
           </a:p>
           <a:p>
@@ -19589,42 +19559,8 @@
               <a:rPr lang="en-US" altLang="en-US" sz="2450" dirty="0">
                 <a:latin typeface="Univers LT Std 55" pitchFamily="-84" charset="0"/>
               </a:rPr>
-              <a:t> Ossus volupicabore et iminciae nitati diaeculpa cumquo omnihil et, occulpa venient ab ilibusam volectes vellic tori sitiusam inciis net voluptatiis auditius dem venimus, ium eatius dolupta</a:t>
+              <a:t>To improve my model, I would source additional exogenous variables that influence rail ridership. I could modify my analysis to forecast train station-level ridership, rather than system-wide volume. I would incorporate additional modes of transportation into the model to account for substitution from rail to buses, cars, bicycles, etc.</a:t>
             </a:r>
-          </a:p>
-          <a:p>
-            <a:pPr eaLnBrk="1" hangingPunct="1"/>
-            <a:endParaRPr lang="en-US" altLang="en-US" sz="2450" dirty="0">
-              <a:latin typeface="Univers LT Std 55" pitchFamily="-84" charset="0"/>
-            </a:endParaRPr>
-          </a:p>
-          <a:p>
-            <a:pPr eaLnBrk="1" hangingPunct="1"/>
-            <a:endParaRPr lang="en-US" altLang="en-US" sz="2450" dirty="0">
-              <a:latin typeface="Univers LT Std 75 Black" pitchFamily="-84" charset="0"/>
-            </a:endParaRPr>
-          </a:p>
-          <a:p>
-            <a:pPr eaLnBrk="1" hangingPunct="1"/>
-            <a:r>
-              <a:rPr lang="en-US" altLang="en-US" sz="2450" dirty="0">
-                <a:latin typeface="Univers LT Std 75 Black" pitchFamily="-84" charset="0"/>
-              </a:rPr>
-              <a:t>Subheader</a:t>
-            </a:r>
-          </a:p>
-          <a:p>
-            <a:pPr eaLnBrk="1" hangingPunct="1"/>
-            <a:r>
-              <a:rPr lang="en-US" altLang="en-US" sz="2450" dirty="0">
-                <a:latin typeface="Univers LT Std 55" pitchFamily="-84" charset="0"/>
-              </a:rPr>
-              <a:t>Ossus volupicabore et iminciae nitati diaeculpa cumquo omnihil et, occulpa venient ab ilibusam volectes vellic tori sitiusam inciis net voluptatiis auditius dem venimu, ium eatius doluptaium eatius dolupta tatumquae num eos im fugitis ipienimet estisit, que con nonsequi culluptia as dis consequatem qui aliqui doluptatum.</a:t>
-            </a:r>
-          </a:p>
-          <a:p>
-            <a:pPr eaLnBrk="1" hangingPunct="1"/>
-            <a:endParaRPr lang="en-US" altLang="en-US" sz="2450" dirty="0"/>
           </a:p>
         </p:txBody>
       </p:sp>
@@ -19644,7 +19580,7 @@
         </p:nvSpPr>
         <p:spPr bwMode="auto">
           <a:xfrm>
-            <a:off x="26346349" y="26520266"/>
+            <a:off x="26346349" y="26984465"/>
             <a:ext cx="7800975" cy="361637"/>
           </a:xfrm>
           <a:prstGeom prst="rect">
@@ -20036,7 +19972,7 @@
         </p:nvSpPr>
         <p:spPr bwMode="auto">
           <a:xfrm>
-            <a:off x="14268450" y="18848339"/>
+            <a:off x="14699709" y="19507491"/>
             <a:ext cx="3067050" cy="856685"/>
           </a:xfrm>
           <a:prstGeom prst="rect">
@@ -20208,7 +20144,7 @@
         <p:spPr bwMode="auto">
           <a:xfrm>
             <a:off x="33679983" y="15378496"/>
-            <a:ext cx="3067050" cy="1664599"/>
+            <a:ext cx="3067050" cy="1395294"/>
           </a:xfrm>
           <a:prstGeom prst="rect">
             <a:avLst/>
@@ -20354,20 +20290,8 @@
               <a:rPr lang="en-AU" altLang="en-US" sz="1750" dirty="0">
                 <a:latin typeface="Univers LT Std 55 Obl" pitchFamily="-84" charset="0"/>
               </a:rPr>
-              <a:t>This is the suggested format for captions.</a:t>
+              <a:t>Out-of-Sample Forecasts, Rail Ridership. The black line is actual data, while colored lines are model predictions.</a:t>
             </a:r>
-          </a:p>
-          <a:p>
-            <a:pPr eaLnBrk="1" hangingPunct="1"/>
-            <a:r>
-              <a:rPr lang="en-US" altLang="en-US" sz="1750" dirty="0">
-                <a:latin typeface="Univers LT Std 55 Obl" pitchFamily="-84" charset="0"/>
-              </a:rPr>
-              <a:t>Duis autem vel eum iriure dolor in hendrerit in vulputate velit esse molestie consequat.</a:t>
-            </a:r>
-            <a:endParaRPr lang="en-AU" altLang="en-US" sz="1750" dirty="0">
-              <a:latin typeface="Univers LT Std 55 Obl" pitchFamily="-84" charset="0"/>
-            </a:endParaRPr>
           </a:p>
         </p:txBody>
       </p:sp>
@@ -20388,7 +20312,7 @@
         <p:spPr bwMode="auto">
           <a:xfrm>
             <a:off x="33679983" y="19210033"/>
-            <a:ext cx="3067050" cy="1664599"/>
+            <a:ext cx="3067050" cy="1125990"/>
           </a:xfrm>
           <a:prstGeom prst="rect">
             <a:avLst/>
@@ -20534,20 +20458,8 @@
               <a:rPr lang="en-AU" altLang="en-US" sz="1750" dirty="0">
                 <a:latin typeface="Univers LT Std 55 Obl" pitchFamily="-84" charset="0"/>
               </a:rPr>
-              <a:t>This is the suggested format for captions.</a:t>
+              <a:t>In- and Out-of-Sample Residuals (actual minus predicted rail ridership)</a:t>
             </a:r>
-          </a:p>
-          <a:p>
-            <a:pPr eaLnBrk="1" hangingPunct="1"/>
-            <a:r>
-              <a:rPr lang="en-US" altLang="en-US" sz="1750" dirty="0">
-                <a:latin typeface="Univers LT Std 55 Obl" pitchFamily="-84" charset="0"/>
-              </a:rPr>
-              <a:t>Duis autem vel eum iriure dolor in hendrerit in vulputate velit esse molestie consequat.</a:t>
-            </a:r>
-            <a:endParaRPr lang="en-AU" altLang="en-US" sz="1750" dirty="0">
-              <a:latin typeface="Univers LT Std 55 Obl" pitchFamily="-84" charset="0"/>
-            </a:endParaRPr>
           </a:p>
         </p:txBody>
       </p:sp>
@@ -20607,8 +20519,8 @@
         </p:blipFill>
         <p:spPr>
           <a:xfrm>
-            <a:off x="14699709" y="12758639"/>
-            <a:ext cx="7300806" cy="5109716"/>
+            <a:off x="14686817" y="13892268"/>
+            <a:ext cx="6150494" cy="4304631"/>
           </a:xfrm>
           <a:prstGeom prst="rect">
             <a:avLst/>
@@ -20637,7 +20549,7 @@
         </p:blipFill>
         <p:spPr>
           <a:xfrm>
-            <a:off x="18002250" y="18265824"/>
+            <a:off x="18002250" y="18383898"/>
             <a:ext cx="6960370" cy="4304631"/>
           </a:xfrm>
           <a:prstGeom prst="rect">
@@ -20647,10 +20559,10 @@
       </p:pic>
       <p:pic>
         <p:nvPicPr>
-          <p:cNvPr id="12" name="Picture 11">
+          <p:cNvPr id="18" name="Picture 17">
             <a:extLst>
               <a:ext uri="{FF2B5EF4-FFF2-40B4-BE49-F238E27FC236}">
-                <a16:creationId xmlns:a16="http://schemas.microsoft.com/office/drawing/2014/main" id="{0C32BA9E-80D6-B4BC-EEB2-992FCD209F9A}"/>
+                <a16:creationId xmlns:a16="http://schemas.microsoft.com/office/drawing/2014/main" id="{D966F617-4530-090B-BF92-D049F518DC7E}"/>
               </a:ext>
             </a:extLst>
           </p:cNvPr>
@@ -20667,8 +20579,8 @@
         </p:blipFill>
         <p:spPr>
           <a:xfrm>
-            <a:off x="25882600" y="14197919"/>
-            <a:ext cx="7451785" cy="4528452"/>
+            <a:off x="14838366" y="22859999"/>
+            <a:ext cx="10124254" cy="4021903"/>
           </a:xfrm>
           <a:prstGeom prst="rect">
             <a:avLst/>
@@ -20677,10 +20589,10 @@
       </p:pic>
       <p:pic>
         <p:nvPicPr>
-          <p:cNvPr id="14" name="Picture 13">
+          <p:cNvPr id="20" name="Picture 19">
             <a:extLst>
               <a:ext uri="{FF2B5EF4-FFF2-40B4-BE49-F238E27FC236}">
-                <a16:creationId xmlns:a16="http://schemas.microsoft.com/office/drawing/2014/main" id="{86E713B8-34B8-F931-1F94-4ACF8ABF92EA}"/>
+                <a16:creationId xmlns:a16="http://schemas.microsoft.com/office/drawing/2014/main" id="{52525276-41D5-69AC-EEA7-4518F3D6A788}"/>
               </a:ext>
             </a:extLst>
           </p:cNvPr>
@@ -20697,8 +20609,8 @@
         </p:blipFill>
         <p:spPr>
           <a:xfrm>
-            <a:off x="26191528" y="18848339"/>
-            <a:ext cx="7178575" cy="4421586"/>
+            <a:off x="26014011" y="18786220"/>
+            <a:ext cx="7383654" cy="4568345"/>
           </a:xfrm>
           <a:prstGeom prst="rect">
             <a:avLst/>
@@ -20707,10 +20619,10 @@
       </p:pic>
       <p:pic>
         <p:nvPicPr>
-          <p:cNvPr id="16" name="Picture 15">
+          <p:cNvPr id="22" name="Picture 21">
             <a:extLst>
               <a:ext uri="{FF2B5EF4-FFF2-40B4-BE49-F238E27FC236}">
-                <a16:creationId xmlns:a16="http://schemas.microsoft.com/office/drawing/2014/main" id="{52CE2AB1-6275-6691-C576-1375ABF8487D}"/>
+                <a16:creationId xmlns:a16="http://schemas.microsoft.com/office/drawing/2014/main" id="{2AB95DD8-69F8-D2DD-0B12-2D7A76079D4E}"/>
               </a:ext>
             </a:extLst>
           </p:cNvPr>
@@ -20727,8 +20639,8 @@
         </p:blipFill>
         <p:spPr>
           <a:xfrm>
-            <a:off x="26218733" y="23488202"/>
-            <a:ext cx="8773749" cy="2972215"/>
+            <a:off x="26146323" y="14226876"/>
+            <a:ext cx="7383654" cy="4529420"/>
           </a:xfrm>
           <a:prstGeom prst="rect">
             <a:avLst/>
@@ -20737,10 +20649,10 @@
       </p:pic>
       <p:pic>
         <p:nvPicPr>
-          <p:cNvPr id="18" name="Picture 17">
+          <p:cNvPr id="24" name="Picture 23">
             <a:extLst>
               <a:ext uri="{FF2B5EF4-FFF2-40B4-BE49-F238E27FC236}">
-                <a16:creationId xmlns:a16="http://schemas.microsoft.com/office/drawing/2014/main" id="{D966F617-4530-090B-BF92-D049F518DC7E}"/>
+                <a16:creationId xmlns:a16="http://schemas.microsoft.com/office/drawing/2014/main" id="{15A76321-2B82-CFC2-0F5B-F84051D18703}"/>
               </a:ext>
             </a:extLst>
           </p:cNvPr>
@@ -20757,8 +20669,8 @@
         </p:blipFill>
         <p:spPr>
           <a:xfrm>
-            <a:off x="14838366" y="22859999"/>
-            <a:ext cx="10124254" cy="4021903"/>
+            <a:off x="26170037" y="23552046"/>
+            <a:ext cx="9989567" cy="3329856"/>
           </a:xfrm>
           <a:prstGeom prst="rect">
             <a:avLst/>
